--- a/supp/Publication/images/RawPPT/2025-SIGAsia-InverseTiling.pptx
+++ b/supp/Publication/images/RawPPT/2025-SIGAsia-InverseTiling.pptx
@@ -197,7 +197,7 @@
           <a:p>
             <a:fld id="{88D55BC4-9B31-BB49-84D7-7BFF9652093C}" type="datetimeFigureOut">
               <a:rPr lang="en-US" smtClean="0"/>
-              <a:t>8/10/25</a:t>
+              <a:t>12/4/25</a:t>
             </a:fld>
             <a:endParaRPr lang="en-US"/>
           </a:p>
@@ -680,7 +680,7 @@
           <a:p>
             <a:fld id="{086FEB8E-2718-4465-8CCF-70A494D0B418}" type="datetimeFigureOut">
               <a:rPr lang="zh-CN" altLang="en-US" smtClean="0"/>
-              <a:t>2025/8/10</a:t>
+              <a:t>2025/12/4</a:t>
             </a:fld>
             <a:endParaRPr lang="zh-CN" altLang="en-US"/>
           </a:p>
@@ -850,7 +850,7 @@
           <a:p>
             <a:fld id="{086FEB8E-2718-4465-8CCF-70A494D0B418}" type="datetimeFigureOut">
               <a:rPr lang="zh-CN" altLang="en-US" smtClean="0"/>
-              <a:t>2025/8/10</a:t>
+              <a:t>2025/12/4</a:t>
             </a:fld>
             <a:endParaRPr lang="zh-CN" altLang="en-US"/>
           </a:p>
@@ -1030,7 +1030,7 @@
           <a:p>
             <a:fld id="{086FEB8E-2718-4465-8CCF-70A494D0B418}" type="datetimeFigureOut">
               <a:rPr lang="zh-CN" altLang="en-US" smtClean="0"/>
-              <a:t>2025/8/10</a:t>
+              <a:t>2025/12/4</a:t>
             </a:fld>
             <a:endParaRPr lang="zh-CN" altLang="en-US"/>
           </a:p>
@@ -1200,7 +1200,7 @@
           <a:p>
             <a:fld id="{086FEB8E-2718-4465-8CCF-70A494D0B418}" type="datetimeFigureOut">
               <a:rPr lang="zh-CN" altLang="en-US" smtClean="0"/>
-              <a:t>2025/8/10</a:t>
+              <a:t>2025/12/4</a:t>
             </a:fld>
             <a:endParaRPr lang="zh-CN" altLang="en-US"/>
           </a:p>
@@ -1446,7 +1446,7 @@
           <a:p>
             <a:fld id="{086FEB8E-2718-4465-8CCF-70A494D0B418}" type="datetimeFigureOut">
               <a:rPr lang="zh-CN" altLang="en-US" smtClean="0"/>
-              <a:t>2025/8/10</a:t>
+              <a:t>2025/12/4</a:t>
             </a:fld>
             <a:endParaRPr lang="zh-CN" altLang="en-US"/>
           </a:p>
@@ -1678,7 +1678,7 @@
           <a:p>
             <a:fld id="{086FEB8E-2718-4465-8CCF-70A494D0B418}" type="datetimeFigureOut">
               <a:rPr lang="zh-CN" altLang="en-US" smtClean="0"/>
-              <a:t>2025/8/10</a:t>
+              <a:t>2025/12/4</a:t>
             </a:fld>
             <a:endParaRPr lang="zh-CN" altLang="en-US"/>
           </a:p>
@@ -2045,7 +2045,7 @@
           <a:p>
             <a:fld id="{086FEB8E-2718-4465-8CCF-70A494D0B418}" type="datetimeFigureOut">
               <a:rPr lang="zh-CN" altLang="en-US" smtClean="0"/>
-              <a:t>2025/8/10</a:t>
+              <a:t>2025/12/4</a:t>
             </a:fld>
             <a:endParaRPr lang="zh-CN" altLang="en-US"/>
           </a:p>
@@ -2163,7 +2163,7 @@
           <a:p>
             <a:fld id="{086FEB8E-2718-4465-8CCF-70A494D0B418}" type="datetimeFigureOut">
               <a:rPr lang="zh-CN" altLang="en-US" smtClean="0"/>
-              <a:t>2025/8/10</a:t>
+              <a:t>2025/12/4</a:t>
             </a:fld>
             <a:endParaRPr lang="zh-CN" altLang="en-US"/>
           </a:p>
@@ -2258,7 +2258,7 @@
           <a:p>
             <a:fld id="{086FEB8E-2718-4465-8CCF-70A494D0B418}" type="datetimeFigureOut">
               <a:rPr lang="zh-CN" altLang="en-US" smtClean="0"/>
-              <a:t>2025/8/10</a:t>
+              <a:t>2025/12/4</a:t>
             </a:fld>
             <a:endParaRPr lang="zh-CN" altLang="en-US"/>
           </a:p>
@@ -2535,7 +2535,7 @@
           <a:p>
             <a:fld id="{086FEB8E-2718-4465-8CCF-70A494D0B418}" type="datetimeFigureOut">
               <a:rPr lang="zh-CN" altLang="en-US" smtClean="0"/>
-              <a:t>2025/8/10</a:t>
+              <a:t>2025/12/4</a:t>
             </a:fld>
             <a:endParaRPr lang="zh-CN" altLang="en-US"/>
           </a:p>
@@ -2792,7 +2792,7 @@
           <a:p>
             <a:fld id="{086FEB8E-2718-4465-8CCF-70A494D0B418}" type="datetimeFigureOut">
               <a:rPr lang="zh-CN" altLang="en-US" smtClean="0"/>
-              <a:t>2025/8/10</a:t>
+              <a:t>2025/12/4</a:t>
             </a:fld>
             <a:endParaRPr lang="zh-CN" altLang="en-US"/>
           </a:p>
@@ -3005,7 +3005,7 @@
           <a:p>
             <a:fld id="{086FEB8E-2718-4465-8CCF-70A494D0B418}" type="datetimeFigureOut">
               <a:rPr lang="zh-CN" altLang="en-US" smtClean="0"/>
-              <a:t>2025/8/10</a:t>
+              <a:t>2025/12/4</a:t>
             </a:fld>
             <a:endParaRPr lang="zh-CN" altLang="en-US"/>
           </a:p>
